--- a/Basics of Github.pptx
+++ b/Basics of Github.pptx
@@ -21,6 +21,7 @@
     <p:sldId id="268" r:id="rId15"/>
     <p:sldId id="270" r:id="rId16"/>
     <p:sldId id="271" r:id="rId17"/>
+    <p:sldId id="272" r:id="rId18"/>
   </p:sldIdLst>
   <p:sldSz cx="12192000" cy="6858000"/>
   <p:notesSz cx="6858000" cy="9144000"/>
@@ -5013,6 +5014,1097 @@
 </p:sld>
 </file>
 
+<file path=ppt/slides/slide17.xml><?xml version="1.0" encoding="utf-8"?>
+<p:sld xmlns:a="http://schemas.openxmlformats.org/drawingml/2006/main" xmlns:r="http://schemas.openxmlformats.org/officeDocument/2006/relationships" xmlns:p="http://schemas.openxmlformats.org/presentationml/2006/main">
+  <p:cSld>
+    <p:spTree>
+      <p:nvGrpSpPr>
+        <p:cNvPr id="1" name=""/>
+        <p:cNvGrpSpPr/>
+        <p:nvPr/>
+      </p:nvGrpSpPr>
+      <p:grpSpPr>
+        <a:xfrm>
+          <a:off x="0" y="0"/>
+          <a:ext cx="0" cy="0"/>
+          <a:chOff x="0" y="0"/>
+          <a:chExt cx="0" cy="0"/>
+        </a:xfrm>
+      </p:grpSpPr>
+      <p:sp>
+        <p:nvSpPr>
+          <p:cNvPr id="85" name="Rectangle: Rounded Corners 84">
+            <a:extLst>
+              <a:ext uri="{FF2B5EF4-FFF2-40B4-BE49-F238E27FC236}">
+                <a16:creationId xmlns:a16="http://schemas.microsoft.com/office/drawing/2014/main" id="{992434D7-35ED-8A8C-C8C9-878E834E97C3}"/>
+              </a:ext>
+            </a:extLst>
+          </p:cNvPr>
+          <p:cNvSpPr/>
+          <p:nvPr/>
+        </p:nvSpPr>
+        <p:spPr>
+          <a:xfrm>
+            <a:off x="4164509" y="3717235"/>
+            <a:ext cx="526756" cy="208758"/>
+          </a:xfrm>
+          <a:prstGeom prst="roundRect">
+            <a:avLst/>
+          </a:prstGeom>
+          <a:solidFill>
+            <a:srgbClr val="FFC000"/>
+          </a:solidFill>
+        </p:spPr>
+        <p:style>
+          <a:lnRef idx="2">
+            <a:schemeClr val="accent1">
+              <a:shade val="15000"/>
+            </a:schemeClr>
+          </a:lnRef>
+          <a:fillRef idx="1">
+            <a:schemeClr val="accent1"/>
+          </a:fillRef>
+          <a:effectRef idx="0">
+            <a:schemeClr val="accent1"/>
+          </a:effectRef>
+          <a:fontRef idx="minor">
+            <a:schemeClr val="lt1"/>
+          </a:fontRef>
+        </p:style>
+        <p:txBody>
+          <a:bodyPr rtlCol="0" anchor="ctr"/>
+          <a:lstStyle/>
+          <a:p>
+            <a:pPr algn="ctr"/>
+            <a:r>
+              <a:rPr lang="en-US" dirty="0"/>
+              <a:t>PR</a:t>
+            </a:r>
+            <a:endParaRPr lang="en-GB" dirty="0"/>
+          </a:p>
+        </p:txBody>
+      </p:sp>
+      <p:sp>
+        <p:nvSpPr>
+          <p:cNvPr id="2" name="Title 1">
+            <a:extLst>
+              <a:ext uri="{FF2B5EF4-FFF2-40B4-BE49-F238E27FC236}">
+                <a16:creationId xmlns:a16="http://schemas.microsoft.com/office/drawing/2014/main" id="{5B68F172-BD53-D06D-844C-C334B8555FDF}"/>
+              </a:ext>
+            </a:extLst>
+          </p:cNvPr>
+          <p:cNvSpPr>
+            <a:spLocks noGrp="1"/>
+          </p:cNvSpPr>
+          <p:nvPr>
+            <p:ph type="title"/>
+          </p:nvPr>
+        </p:nvSpPr>
+        <p:spPr/>
+        <p:txBody>
+          <a:bodyPr/>
+          <a:lstStyle/>
+          <a:p>
+            <a:r>
+              <a:rPr lang="en-US" dirty="0"/>
+              <a:t>Release Scheme</a:t>
+            </a:r>
+            <a:endParaRPr lang="en-GB" dirty="0"/>
+          </a:p>
+        </p:txBody>
+      </p:sp>
+      <p:sp>
+        <p:nvSpPr>
+          <p:cNvPr id="3" name="Content Placeholder 2">
+            <a:extLst>
+              <a:ext uri="{FF2B5EF4-FFF2-40B4-BE49-F238E27FC236}">
+                <a16:creationId xmlns:a16="http://schemas.microsoft.com/office/drawing/2014/main" id="{C34683CF-5CC3-A6C2-078E-8F20F75725C9}"/>
+              </a:ext>
+            </a:extLst>
+          </p:cNvPr>
+          <p:cNvSpPr>
+            <a:spLocks noGrp="1"/>
+          </p:cNvSpPr>
+          <p:nvPr>
+            <p:ph idx="1"/>
+          </p:nvPr>
+        </p:nvSpPr>
+        <p:spPr/>
+        <p:txBody>
+          <a:bodyPr/>
+          <a:lstStyle/>
+          <a:p>
+            <a:endParaRPr lang="en-GB" dirty="0"/>
+          </a:p>
+        </p:txBody>
+      </p:sp>
+      <p:cxnSp>
+        <p:nvCxnSpPr>
+          <p:cNvPr id="12" name="Straight Arrow Connector 11">
+            <a:extLst>
+              <a:ext uri="{FF2B5EF4-FFF2-40B4-BE49-F238E27FC236}">
+                <a16:creationId xmlns:a16="http://schemas.microsoft.com/office/drawing/2014/main" id="{E6618EBC-D3BE-D187-AF11-5AF0E39B0D3D}"/>
+              </a:ext>
+            </a:extLst>
+          </p:cNvPr>
+          <p:cNvCxnSpPr>
+            <a:cxnSpLocks/>
+          </p:cNvCxnSpPr>
+          <p:nvPr/>
+        </p:nvCxnSpPr>
+        <p:spPr>
+          <a:xfrm flipV="1">
+            <a:off x="2226365" y="3717235"/>
+            <a:ext cx="0" cy="218661"/>
+          </a:xfrm>
+          <a:prstGeom prst="straightConnector1">
+            <a:avLst/>
+          </a:prstGeom>
+          <a:ln>
+            <a:tailEnd type="triangle"/>
+          </a:ln>
+        </p:spPr>
+        <p:style>
+          <a:lnRef idx="3">
+            <a:schemeClr val="dk1"/>
+          </a:lnRef>
+          <a:fillRef idx="0">
+            <a:schemeClr val="dk1"/>
+          </a:fillRef>
+          <a:effectRef idx="2">
+            <a:schemeClr val="dk1"/>
+          </a:effectRef>
+          <a:fontRef idx="minor">
+            <a:schemeClr val="tx1"/>
+          </a:fontRef>
+        </p:style>
+      </p:cxnSp>
+      <p:cxnSp>
+        <p:nvCxnSpPr>
+          <p:cNvPr id="14" name="Straight Arrow Connector 13">
+            <a:extLst>
+              <a:ext uri="{FF2B5EF4-FFF2-40B4-BE49-F238E27FC236}">
+                <a16:creationId xmlns:a16="http://schemas.microsoft.com/office/drawing/2014/main" id="{5FD0A09B-27F5-DD3D-8BFB-05E6F4ECCC58}"/>
+              </a:ext>
+            </a:extLst>
+          </p:cNvPr>
+          <p:cNvCxnSpPr>
+            <a:cxnSpLocks/>
+          </p:cNvCxnSpPr>
+          <p:nvPr/>
+        </p:nvCxnSpPr>
+        <p:spPr>
+          <a:xfrm flipV="1">
+            <a:off x="2156791" y="2544417"/>
+            <a:ext cx="9939" cy="1391479"/>
+          </a:xfrm>
+          <a:prstGeom prst="straightConnector1">
+            <a:avLst/>
+          </a:prstGeom>
+          <a:ln>
+            <a:tailEnd type="triangle"/>
+          </a:ln>
+        </p:spPr>
+        <p:style>
+          <a:lnRef idx="3">
+            <a:schemeClr val="dk1"/>
+          </a:lnRef>
+          <a:fillRef idx="0">
+            <a:schemeClr val="dk1"/>
+          </a:fillRef>
+          <a:effectRef idx="2">
+            <a:schemeClr val="dk1"/>
+          </a:effectRef>
+          <a:fontRef idx="minor">
+            <a:schemeClr val="tx1"/>
+          </a:fontRef>
+        </p:style>
+      </p:cxnSp>
+      <p:cxnSp>
+        <p:nvCxnSpPr>
+          <p:cNvPr id="16" name="Straight Arrow Connector 15">
+            <a:extLst>
+              <a:ext uri="{FF2B5EF4-FFF2-40B4-BE49-F238E27FC236}">
+                <a16:creationId xmlns:a16="http://schemas.microsoft.com/office/drawing/2014/main" id="{4828F3B9-2050-A01F-7552-7446A4431F61}"/>
+              </a:ext>
+            </a:extLst>
+          </p:cNvPr>
+          <p:cNvCxnSpPr>
+            <a:cxnSpLocks/>
+          </p:cNvCxnSpPr>
+          <p:nvPr/>
+        </p:nvCxnSpPr>
+        <p:spPr>
+          <a:xfrm flipH="1" flipV="1">
+            <a:off x="4393096" y="2544417"/>
+            <a:ext cx="9939" cy="818699"/>
+          </a:xfrm>
+          <a:prstGeom prst="straightConnector1">
+            <a:avLst/>
+          </a:prstGeom>
+          <a:ln>
+            <a:tailEnd type="triangle"/>
+          </a:ln>
+        </p:spPr>
+        <p:style>
+          <a:lnRef idx="3">
+            <a:schemeClr val="dk1"/>
+          </a:lnRef>
+          <a:fillRef idx="0">
+            <a:schemeClr val="dk1"/>
+          </a:fillRef>
+          <a:effectRef idx="2">
+            <a:schemeClr val="dk1"/>
+          </a:effectRef>
+          <a:fontRef idx="minor">
+            <a:schemeClr val="tx1"/>
+          </a:fontRef>
+        </p:style>
+      </p:cxnSp>
+      <p:cxnSp>
+        <p:nvCxnSpPr>
+          <p:cNvPr id="18" name="Straight Arrow Connector 17">
+            <a:extLst>
+              <a:ext uri="{FF2B5EF4-FFF2-40B4-BE49-F238E27FC236}">
+                <a16:creationId xmlns:a16="http://schemas.microsoft.com/office/drawing/2014/main" id="{A1B97B34-08F7-1116-F7BF-D95E763026BF}"/>
+              </a:ext>
+            </a:extLst>
+          </p:cNvPr>
+          <p:cNvCxnSpPr>
+            <a:cxnSpLocks/>
+          </p:cNvCxnSpPr>
+          <p:nvPr/>
+        </p:nvCxnSpPr>
+        <p:spPr>
+          <a:xfrm flipV="1">
+            <a:off x="9591256" y="2544417"/>
+            <a:ext cx="0" cy="1436206"/>
+          </a:xfrm>
+          <a:prstGeom prst="straightConnector1">
+            <a:avLst/>
+          </a:prstGeom>
+          <a:ln>
+            <a:tailEnd type="triangle"/>
+          </a:ln>
+        </p:spPr>
+        <p:style>
+          <a:lnRef idx="3">
+            <a:schemeClr val="dk1"/>
+          </a:lnRef>
+          <a:fillRef idx="0">
+            <a:schemeClr val="dk1"/>
+          </a:fillRef>
+          <a:effectRef idx="2">
+            <a:schemeClr val="dk1"/>
+          </a:effectRef>
+          <a:fontRef idx="minor">
+            <a:schemeClr val="tx1"/>
+          </a:fontRef>
+        </p:style>
+      </p:cxnSp>
+      <p:cxnSp>
+        <p:nvCxnSpPr>
+          <p:cNvPr id="22" name="Straight Arrow Connector 21">
+            <a:extLst>
+              <a:ext uri="{FF2B5EF4-FFF2-40B4-BE49-F238E27FC236}">
+                <a16:creationId xmlns:a16="http://schemas.microsoft.com/office/drawing/2014/main" id="{2806B191-D8C2-6E05-387B-75242891EE63}"/>
+              </a:ext>
+            </a:extLst>
+          </p:cNvPr>
+          <p:cNvCxnSpPr>
+            <a:cxnSpLocks/>
+          </p:cNvCxnSpPr>
+          <p:nvPr/>
+        </p:nvCxnSpPr>
+        <p:spPr>
+          <a:xfrm flipV="1">
+            <a:off x="3498574" y="4273851"/>
+            <a:ext cx="0" cy="284581"/>
+          </a:xfrm>
+          <a:prstGeom prst="straightConnector1">
+            <a:avLst/>
+          </a:prstGeom>
+          <a:ln>
+            <a:tailEnd type="triangle"/>
+          </a:ln>
+        </p:spPr>
+        <p:style>
+          <a:lnRef idx="3">
+            <a:schemeClr val="dk1"/>
+          </a:lnRef>
+          <a:fillRef idx="0">
+            <a:schemeClr val="dk1"/>
+          </a:fillRef>
+          <a:effectRef idx="2">
+            <a:schemeClr val="dk1"/>
+          </a:effectRef>
+          <a:fontRef idx="minor">
+            <a:schemeClr val="tx1"/>
+          </a:fontRef>
+        </p:style>
+      </p:cxnSp>
+      <p:cxnSp>
+        <p:nvCxnSpPr>
+          <p:cNvPr id="26" name="Straight Arrow Connector 25">
+            <a:extLst>
+              <a:ext uri="{FF2B5EF4-FFF2-40B4-BE49-F238E27FC236}">
+                <a16:creationId xmlns:a16="http://schemas.microsoft.com/office/drawing/2014/main" id="{543A9D14-D744-A2A8-5F97-B2D73B6282A4}"/>
+              </a:ext>
+            </a:extLst>
+          </p:cNvPr>
+          <p:cNvCxnSpPr>
+            <a:cxnSpLocks/>
+          </p:cNvCxnSpPr>
+          <p:nvPr/>
+        </p:nvCxnSpPr>
+        <p:spPr>
+          <a:xfrm>
+            <a:off x="4393096" y="3672507"/>
+            <a:ext cx="0" cy="308116"/>
+          </a:xfrm>
+          <a:prstGeom prst="straightConnector1">
+            <a:avLst/>
+          </a:prstGeom>
+          <a:ln>
+            <a:tailEnd type="triangle"/>
+          </a:ln>
+        </p:spPr>
+        <p:style>
+          <a:lnRef idx="3">
+            <a:schemeClr val="dk1"/>
+          </a:lnRef>
+          <a:fillRef idx="0">
+            <a:schemeClr val="dk1"/>
+          </a:fillRef>
+          <a:effectRef idx="2">
+            <a:schemeClr val="dk1"/>
+          </a:effectRef>
+          <a:fontRef idx="minor">
+            <a:schemeClr val="tx1"/>
+          </a:fontRef>
+        </p:style>
+      </p:cxnSp>
+      <p:cxnSp>
+        <p:nvCxnSpPr>
+          <p:cNvPr id="30" name="Straight Arrow Connector 29">
+            <a:extLst>
+              <a:ext uri="{FF2B5EF4-FFF2-40B4-BE49-F238E27FC236}">
+                <a16:creationId xmlns:a16="http://schemas.microsoft.com/office/drawing/2014/main" id="{D987E39A-87AE-0E7B-4094-028BEE623E9F}"/>
+              </a:ext>
+            </a:extLst>
+          </p:cNvPr>
+          <p:cNvCxnSpPr>
+            <a:cxnSpLocks/>
+          </p:cNvCxnSpPr>
+          <p:nvPr/>
+        </p:nvCxnSpPr>
+        <p:spPr>
+          <a:xfrm flipV="1">
+            <a:off x="9680710" y="3672507"/>
+            <a:ext cx="0" cy="298244"/>
+          </a:xfrm>
+          <a:prstGeom prst="straightConnector1">
+            <a:avLst/>
+          </a:prstGeom>
+          <a:ln>
+            <a:tailEnd type="triangle"/>
+          </a:ln>
+        </p:spPr>
+        <p:style>
+          <a:lnRef idx="3">
+            <a:schemeClr val="dk1"/>
+          </a:lnRef>
+          <a:fillRef idx="0">
+            <a:schemeClr val="dk1"/>
+          </a:fillRef>
+          <a:effectRef idx="2">
+            <a:schemeClr val="dk1"/>
+          </a:effectRef>
+          <a:fontRef idx="minor">
+            <a:schemeClr val="tx1"/>
+          </a:fontRef>
+        </p:style>
+      </p:cxnSp>
+      <p:cxnSp>
+        <p:nvCxnSpPr>
+          <p:cNvPr id="36" name="Straight Arrow Connector 35">
+            <a:extLst>
+              <a:ext uri="{FF2B5EF4-FFF2-40B4-BE49-F238E27FC236}">
+                <a16:creationId xmlns:a16="http://schemas.microsoft.com/office/drawing/2014/main" id="{F3B3EB3B-16CE-336B-96D6-A8A13CE52874}"/>
+              </a:ext>
+            </a:extLst>
+          </p:cNvPr>
+          <p:cNvCxnSpPr>
+            <a:cxnSpLocks/>
+          </p:cNvCxnSpPr>
+          <p:nvPr/>
+        </p:nvCxnSpPr>
+        <p:spPr>
+          <a:xfrm flipV="1">
+            <a:off x="9163865" y="4328482"/>
+            <a:ext cx="0" cy="1346737"/>
+          </a:xfrm>
+          <a:prstGeom prst="straightConnector1">
+            <a:avLst/>
+          </a:prstGeom>
+          <a:ln>
+            <a:tailEnd type="triangle"/>
+          </a:ln>
+        </p:spPr>
+        <p:style>
+          <a:lnRef idx="3">
+            <a:schemeClr val="dk1"/>
+          </a:lnRef>
+          <a:fillRef idx="0">
+            <a:schemeClr val="dk1"/>
+          </a:fillRef>
+          <a:effectRef idx="2">
+            <a:schemeClr val="dk1"/>
+          </a:effectRef>
+          <a:fontRef idx="minor">
+            <a:schemeClr val="tx1"/>
+          </a:fontRef>
+        </p:style>
+      </p:cxnSp>
+      <p:cxnSp>
+        <p:nvCxnSpPr>
+          <p:cNvPr id="38" name="Straight Arrow Connector 37">
+            <a:extLst>
+              <a:ext uri="{FF2B5EF4-FFF2-40B4-BE49-F238E27FC236}">
+                <a16:creationId xmlns:a16="http://schemas.microsoft.com/office/drawing/2014/main" id="{CFDCF554-2864-0CD2-9417-66436F0BBD6B}"/>
+              </a:ext>
+            </a:extLst>
+          </p:cNvPr>
+          <p:cNvCxnSpPr>
+            <a:cxnSpLocks/>
+          </p:cNvCxnSpPr>
+          <p:nvPr/>
+        </p:nvCxnSpPr>
+        <p:spPr>
+          <a:xfrm flipV="1">
+            <a:off x="6311344" y="4273851"/>
+            <a:ext cx="0" cy="824978"/>
+          </a:xfrm>
+          <a:prstGeom prst="straightConnector1">
+            <a:avLst/>
+          </a:prstGeom>
+          <a:ln>
+            <a:tailEnd type="triangle"/>
+          </a:ln>
+        </p:spPr>
+        <p:style>
+          <a:lnRef idx="3">
+            <a:schemeClr val="dk1"/>
+          </a:lnRef>
+          <a:fillRef idx="0">
+            <a:schemeClr val="dk1"/>
+          </a:fillRef>
+          <a:effectRef idx="2">
+            <a:schemeClr val="dk1"/>
+          </a:effectRef>
+          <a:fontRef idx="minor">
+            <a:schemeClr val="tx1"/>
+          </a:fontRef>
+        </p:style>
+      </p:cxnSp>
+      <p:cxnSp>
+        <p:nvCxnSpPr>
+          <p:cNvPr id="40" name="Straight Arrow Connector 39">
+            <a:extLst>
+              <a:ext uri="{FF2B5EF4-FFF2-40B4-BE49-F238E27FC236}">
+                <a16:creationId xmlns:a16="http://schemas.microsoft.com/office/drawing/2014/main" id="{07CF7592-6639-9302-B8E9-5BF8D9C6FFEA}"/>
+              </a:ext>
+            </a:extLst>
+          </p:cNvPr>
+          <p:cNvCxnSpPr>
+            <a:cxnSpLocks/>
+          </p:cNvCxnSpPr>
+          <p:nvPr/>
+        </p:nvCxnSpPr>
+        <p:spPr>
+          <a:xfrm>
+            <a:off x="7295322" y="4283723"/>
+            <a:ext cx="0" cy="1391496"/>
+          </a:xfrm>
+          <a:prstGeom prst="straightConnector1">
+            <a:avLst/>
+          </a:prstGeom>
+          <a:ln w="9525" cap="flat" cmpd="sng" algn="ctr">
+            <a:solidFill>
+              <a:schemeClr val="dk1"/>
+            </a:solidFill>
+            <a:prstDash val="dash"/>
+            <a:round/>
+            <a:headEnd type="none" w="med" len="med"/>
+            <a:tailEnd type="none" w="med" len="med"/>
+          </a:ln>
+        </p:spPr>
+        <p:style>
+          <a:lnRef idx="0">
+            <a:scrgbClr r="0" g="0" b="0"/>
+          </a:lnRef>
+          <a:fillRef idx="0">
+            <a:scrgbClr r="0" g="0" b="0"/>
+          </a:fillRef>
+          <a:effectRef idx="0">
+            <a:scrgbClr r="0" g="0" b="0"/>
+          </a:effectRef>
+          <a:fontRef idx="minor">
+            <a:schemeClr val="tx1"/>
+          </a:fontRef>
+        </p:style>
+      </p:cxnSp>
+      <p:sp>
+        <p:nvSpPr>
+          <p:cNvPr id="41" name="Rectangle 40">
+            <a:extLst>
+              <a:ext uri="{FF2B5EF4-FFF2-40B4-BE49-F238E27FC236}">
+                <a16:creationId xmlns:a16="http://schemas.microsoft.com/office/drawing/2014/main" id="{C36E05D8-4377-0769-AC11-6B49107347C7}"/>
+              </a:ext>
+            </a:extLst>
+          </p:cNvPr>
+          <p:cNvSpPr/>
+          <p:nvPr/>
+        </p:nvSpPr>
+        <p:spPr>
+          <a:xfrm>
+            <a:off x="695738" y="3980623"/>
+            <a:ext cx="10714367" cy="293228"/>
+          </a:xfrm>
+          <a:prstGeom prst="rect">
+            <a:avLst/>
+          </a:prstGeom>
+        </p:spPr>
+        <p:style>
+          <a:lnRef idx="2">
+            <a:schemeClr val="accent1">
+              <a:shade val="15000"/>
+            </a:schemeClr>
+          </a:lnRef>
+          <a:fillRef idx="1">
+            <a:schemeClr val="accent1"/>
+          </a:fillRef>
+          <a:effectRef idx="0">
+            <a:schemeClr val="accent1"/>
+          </a:effectRef>
+          <a:fontRef idx="minor">
+            <a:schemeClr val="lt1"/>
+          </a:fontRef>
+        </p:style>
+        <p:txBody>
+          <a:bodyPr rtlCol="0" anchor="ctr"/>
+          <a:lstStyle/>
+          <a:p>
+            <a:pPr algn="ctr"/>
+            <a:r>
+              <a:rPr lang="en-US" dirty="0"/>
+              <a:t>Main</a:t>
+            </a:r>
+            <a:endParaRPr lang="en-GB" dirty="0"/>
+          </a:p>
+        </p:txBody>
+      </p:sp>
+      <p:sp>
+        <p:nvSpPr>
+          <p:cNvPr id="42" name="Rectangle 41">
+            <a:extLst>
+              <a:ext uri="{FF2B5EF4-FFF2-40B4-BE49-F238E27FC236}">
+                <a16:creationId xmlns:a16="http://schemas.microsoft.com/office/drawing/2014/main" id="{0EF21F90-91EF-2F41-ACD8-ADEBAB449EE3}"/>
+              </a:ext>
+            </a:extLst>
+          </p:cNvPr>
+          <p:cNvSpPr/>
+          <p:nvPr/>
+        </p:nvSpPr>
+        <p:spPr>
+          <a:xfrm>
+            <a:off x="2226365" y="3363116"/>
+            <a:ext cx="7235686" cy="309391"/>
+          </a:xfrm>
+          <a:prstGeom prst="rect">
+            <a:avLst/>
+          </a:prstGeom>
+        </p:spPr>
+        <p:style>
+          <a:lnRef idx="2">
+            <a:schemeClr val="accent1">
+              <a:shade val="15000"/>
+            </a:schemeClr>
+          </a:lnRef>
+          <a:fillRef idx="1">
+            <a:schemeClr val="accent1"/>
+          </a:fillRef>
+          <a:effectRef idx="0">
+            <a:schemeClr val="accent1"/>
+          </a:effectRef>
+          <a:fontRef idx="minor">
+            <a:schemeClr val="lt1"/>
+          </a:fontRef>
+        </p:style>
+        <p:txBody>
+          <a:bodyPr rtlCol="0" anchor="ctr"/>
+          <a:lstStyle/>
+          <a:p>
+            <a:pPr algn="ctr"/>
+            <a:r>
+              <a:rPr lang="en-US" dirty="0"/>
+              <a:t>Release1</a:t>
+            </a:r>
+            <a:endParaRPr lang="en-GB" dirty="0"/>
+          </a:p>
+        </p:txBody>
+      </p:sp>
+      <p:sp>
+        <p:nvSpPr>
+          <p:cNvPr id="46" name="Rectangle 45">
+            <a:extLst>
+              <a:ext uri="{FF2B5EF4-FFF2-40B4-BE49-F238E27FC236}">
+                <a16:creationId xmlns:a16="http://schemas.microsoft.com/office/drawing/2014/main" id="{DAA66850-25B9-B3A7-BA47-46B3956D5517}"/>
+              </a:ext>
+            </a:extLst>
+          </p:cNvPr>
+          <p:cNvSpPr/>
+          <p:nvPr/>
+        </p:nvSpPr>
+        <p:spPr>
+          <a:xfrm>
+            <a:off x="2226365" y="4558432"/>
+            <a:ext cx="1272209" cy="293174"/>
+          </a:xfrm>
+          <a:prstGeom prst="rect">
+            <a:avLst/>
+          </a:prstGeom>
+        </p:spPr>
+        <p:style>
+          <a:lnRef idx="2">
+            <a:schemeClr val="accent1">
+              <a:shade val="15000"/>
+            </a:schemeClr>
+          </a:lnRef>
+          <a:fillRef idx="1">
+            <a:schemeClr val="accent1"/>
+          </a:fillRef>
+          <a:effectRef idx="0">
+            <a:schemeClr val="accent1"/>
+          </a:effectRef>
+          <a:fontRef idx="minor">
+            <a:schemeClr val="lt1"/>
+          </a:fontRef>
+        </p:style>
+        <p:txBody>
+          <a:bodyPr rtlCol="0" anchor="ctr"/>
+          <a:lstStyle/>
+          <a:p>
+            <a:pPr algn="ctr"/>
+            <a:r>
+              <a:rPr lang="en-US" dirty="0"/>
+              <a:t>Int Bug</a:t>
+            </a:r>
+            <a:endParaRPr lang="en-GB" dirty="0"/>
+          </a:p>
+        </p:txBody>
+      </p:sp>
+      <p:sp>
+        <p:nvSpPr>
+          <p:cNvPr id="47" name="Rectangle 46">
+            <a:extLst>
+              <a:ext uri="{FF2B5EF4-FFF2-40B4-BE49-F238E27FC236}">
+                <a16:creationId xmlns:a16="http://schemas.microsoft.com/office/drawing/2014/main" id="{7DEFB324-E360-408C-D0EF-C63383A3EF73}"/>
+              </a:ext>
+            </a:extLst>
+          </p:cNvPr>
+          <p:cNvSpPr/>
+          <p:nvPr/>
+        </p:nvSpPr>
+        <p:spPr>
+          <a:xfrm>
+            <a:off x="2822713" y="2741958"/>
+            <a:ext cx="1421297" cy="304293"/>
+          </a:xfrm>
+          <a:prstGeom prst="rect">
+            <a:avLst/>
+          </a:prstGeom>
+        </p:spPr>
+        <p:style>
+          <a:lnRef idx="2">
+            <a:schemeClr val="accent1">
+              <a:shade val="15000"/>
+            </a:schemeClr>
+          </a:lnRef>
+          <a:fillRef idx="1">
+            <a:schemeClr val="accent1"/>
+          </a:fillRef>
+          <a:effectRef idx="0">
+            <a:schemeClr val="accent1"/>
+          </a:effectRef>
+          <a:fontRef idx="minor">
+            <a:schemeClr val="lt1"/>
+          </a:fontRef>
+        </p:style>
+        <p:txBody>
+          <a:bodyPr rtlCol="0" anchor="ctr"/>
+          <a:lstStyle/>
+          <a:p>
+            <a:pPr algn="ctr"/>
+            <a:r>
+              <a:rPr lang="en-US" dirty="0"/>
+              <a:t>Ext Bug</a:t>
+            </a:r>
+            <a:endParaRPr lang="en-GB" dirty="0"/>
+          </a:p>
+        </p:txBody>
+      </p:sp>
+      <p:sp>
+        <p:nvSpPr>
+          <p:cNvPr id="48" name="Rectangle 47">
+            <a:extLst>
+              <a:ext uri="{FF2B5EF4-FFF2-40B4-BE49-F238E27FC236}">
+                <a16:creationId xmlns:a16="http://schemas.microsoft.com/office/drawing/2014/main" id="{F7BCE7C7-0F52-D0FD-EFEB-D0E34FE76DE4}"/>
+              </a:ext>
+            </a:extLst>
+          </p:cNvPr>
+          <p:cNvSpPr/>
+          <p:nvPr/>
+        </p:nvSpPr>
+        <p:spPr>
+          <a:xfrm>
+            <a:off x="3150704" y="5100054"/>
+            <a:ext cx="3160640" cy="326717"/>
+          </a:xfrm>
+          <a:prstGeom prst="rect">
+            <a:avLst/>
+          </a:prstGeom>
+        </p:spPr>
+        <p:style>
+          <a:lnRef idx="2">
+            <a:schemeClr val="accent1">
+              <a:shade val="15000"/>
+            </a:schemeClr>
+          </a:lnRef>
+          <a:fillRef idx="1">
+            <a:schemeClr val="accent1"/>
+          </a:fillRef>
+          <a:effectRef idx="0">
+            <a:schemeClr val="accent1"/>
+          </a:effectRef>
+          <a:fontRef idx="minor">
+            <a:schemeClr val="lt1"/>
+          </a:fontRef>
+        </p:style>
+        <p:txBody>
+          <a:bodyPr rtlCol="0" anchor="ctr"/>
+          <a:lstStyle/>
+          <a:p>
+            <a:pPr algn="ctr"/>
+            <a:r>
+              <a:rPr lang="en-US" dirty="0"/>
+              <a:t>Feature 1</a:t>
+            </a:r>
+            <a:endParaRPr lang="en-GB" dirty="0"/>
+          </a:p>
+        </p:txBody>
+      </p:sp>
+      <p:sp>
+        <p:nvSpPr>
+          <p:cNvPr id="49" name="Rectangle 48">
+            <a:extLst>
+              <a:ext uri="{FF2B5EF4-FFF2-40B4-BE49-F238E27FC236}">
+                <a16:creationId xmlns:a16="http://schemas.microsoft.com/office/drawing/2014/main" id="{B7DADC90-5B24-6A6A-460E-82D9527048AE}"/>
+              </a:ext>
+            </a:extLst>
+          </p:cNvPr>
+          <p:cNvSpPr/>
+          <p:nvPr/>
+        </p:nvSpPr>
+        <p:spPr>
+          <a:xfrm>
+            <a:off x="4005471" y="5675219"/>
+            <a:ext cx="5158394" cy="316764"/>
+          </a:xfrm>
+          <a:prstGeom prst="rect">
+            <a:avLst/>
+          </a:prstGeom>
+        </p:spPr>
+        <p:style>
+          <a:lnRef idx="2">
+            <a:schemeClr val="accent1">
+              <a:shade val="15000"/>
+            </a:schemeClr>
+          </a:lnRef>
+          <a:fillRef idx="1">
+            <a:schemeClr val="accent1"/>
+          </a:fillRef>
+          <a:effectRef idx="0">
+            <a:schemeClr val="accent1"/>
+          </a:effectRef>
+          <a:fontRef idx="minor">
+            <a:schemeClr val="lt1"/>
+          </a:fontRef>
+        </p:style>
+        <p:txBody>
+          <a:bodyPr rtlCol="0" anchor="ctr"/>
+          <a:lstStyle/>
+          <a:p>
+            <a:pPr algn="ctr"/>
+            <a:r>
+              <a:rPr lang="en-US" dirty="0"/>
+              <a:t>Feature 2</a:t>
+            </a:r>
+            <a:endParaRPr lang="en-GB" dirty="0"/>
+          </a:p>
+        </p:txBody>
+      </p:sp>
+      <p:sp>
+        <p:nvSpPr>
+          <p:cNvPr id="50" name="Rectangle 49">
+            <a:extLst>
+              <a:ext uri="{FF2B5EF4-FFF2-40B4-BE49-F238E27FC236}">
+                <a16:creationId xmlns:a16="http://schemas.microsoft.com/office/drawing/2014/main" id="{5AFD073B-6619-C1D6-8288-D801F11CB3E6}"/>
+              </a:ext>
+            </a:extLst>
+          </p:cNvPr>
+          <p:cNvSpPr/>
+          <p:nvPr/>
+        </p:nvSpPr>
+        <p:spPr>
+          <a:xfrm>
+            <a:off x="9660830" y="3363116"/>
+            <a:ext cx="1302011" cy="299519"/>
+          </a:xfrm>
+          <a:prstGeom prst="rect">
+            <a:avLst/>
+          </a:prstGeom>
+        </p:spPr>
+        <p:style>
+          <a:lnRef idx="2">
+            <a:schemeClr val="accent1">
+              <a:shade val="15000"/>
+            </a:schemeClr>
+          </a:lnRef>
+          <a:fillRef idx="1">
+            <a:schemeClr val="accent1"/>
+          </a:fillRef>
+          <a:effectRef idx="0">
+            <a:schemeClr val="accent1"/>
+          </a:effectRef>
+          <a:fontRef idx="minor">
+            <a:schemeClr val="lt1"/>
+          </a:fontRef>
+        </p:style>
+        <p:txBody>
+          <a:bodyPr rtlCol="0" anchor="ctr"/>
+          <a:lstStyle/>
+          <a:p>
+            <a:pPr algn="ctr"/>
+            <a:r>
+              <a:rPr lang="en-US" dirty="0"/>
+              <a:t>Release 2</a:t>
+            </a:r>
+            <a:endParaRPr lang="en-GB" dirty="0"/>
+          </a:p>
+        </p:txBody>
+      </p:sp>
+      <p:cxnSp>
+        <p:nvCxnSpPr>
+          <p:cNvPr id="54" name="Straight Arrow Connector 53">
+            <a:extLst>
+              <a:ext uri="{FF2B5EF4-FFF2-40B4-BE49-F238E27FC236}">
+                <a16:creationId xmlns:a16="http://schemas.microsoft.com/office/drawing/2014/main" id="{09F1F8C3-17AA-5D66-DD11-7A2A5B04633E}"/>
+              </a:ext>
+            </a:extLst>
+          </p:cNvPr>
+          <p:cNvCxnSpPr>
+            <a:cxnSpLocks/>
+          </p:cNvCxnSpPr>
+          <p:nvPr/>
+        </p:nvCxnSpPr>
+        <p:spPr>
+          <a:xfrm>
+            <a:off x="4244010" y="3046251"/>
+            <a:ext cx="0" cy="316865"/>
+          </a:xfrm>
+          <a:prstGeom prst="straightConnector1">
+            <a:avLst/>
+          </a:prstGeom>
+          <a:ln>
+            <a:tailEnd type="triangle"/>
+          </a:ln>
+        </p:spPr>
+        <p:style>
+          <a:lnRef idx="3">
+            <a:schemeClr val="dk1"/>
+          </a:lnRef>
+          <a:fillRef idx="0">
+            <a:schemeClr val="dk1"/>
+          </a:fillRef>
+          <a:effectRef idx="2">
+            <a:schemeClr val="dk1"/>
+          </a:effectRef>
+          <a:fontRef idx="minor">
+            <a:schemeClr val="tx1"/>
+          </a:fontRef>
+        </p:style>
+      </p:cxnSp>
+      <p:sp>
+        <p:nvSpPr>
+          <p:cNvPr id="55" name="Rectangle: Rounded Corners 54">
+            <a:extLst>
+              <a:ext uri="{FF2B5EF4-FFF2-40B4-BE49-F238E27FC236}">
+                <a16:creationId xmlns:a16="http://schemas.microsoft.com/office/drawing/2014/main" id="{59730B68-9344-F537-3C81-7E7264FECB32}"/>
+              </a:ext>
+            </a:extLst>
+          </p:cNvPr>
+          <p:cNvSpPr/>
+          <p:nvPr/>
+        </p:nvSpPr>
+        <p:spPr>
+          <a:xfrm>
+            <a:off x="2156791" y="2276061"/>
+            <a:ext cx="8806065" cy="228568"/>
+          </a:xfrm>
+          <a:prstGeom prst="roundRect">
+            <a:avLst/>
+          </a:prstGeom>
+          <a:solidFill>
+            <a:srgbClr val="92D050"/>
+          </a:solidFill>
+        </p:spPr>
+        <p:style>
+          <a:lnRef idx="2">
+            <a:schemeClr val="accent1">
+              <a:shade val="15000"/>
+            </a:schemeClr>
+          </a:lnRef>
+          <a:fillRef idx="1">
+            <a:schemeClr val="accent1"/>
+          </a:fillRef>
+          <a:effectRef idx="0">
+            <a:schemeClr val="accent1"/>
+          </a:effectRef>
+          <a:fontRef idx="minor">
+            <a:schemeClr val="lt1"/>
+          </a:fontRef>
+        </p:style>
+        <p:txBody>
+          <a:bodyPr rtlCol="0" anchor="ctr"/>
+          <a:lstStyle/>
+          <a:p>
+            <a:pPr algn="ctr"/>
+            <a:r>
+              <a:rPr lang="en-US" dirty="0"/>
+              <a:t>Update Server</a:t>
+            </a:r>
+            <a:endParaRPr lang="en-GB" dirty="0"/>
+          </a:p>
+        </p:txBody>
+      </p:sp>
+      <p:sp>
+        <p:nvSpPr>
+          <p:cNvPr id="60" name="Rectangle: Rounded Corners 59">
+            <a:extLst>
+              <a:ext uri="{FF2B5EF4-FFF2-40B4-BE49-F238E27FC236}">
+                <a16:creationId xmlns:a16="http://schemas.microsoft.com/office/drawing/2014/main" id="{6F85CECD-7AE5-FF44-22D3-2069CAB77E43}"/>
+              </a:ext>
+            </a:extLst>
+          </p:cNvPr>
+          <p:cNvSpPr/>
+          <p:nvPr/>
+        </p:nvSpPr>
+        <p:spPr>
+          <a:xfrm>
+            <a:off x="7513987" y="4482548"/>
+            <a:ext cx="1192683" cy="873369"/>
+          </a:xfrm>
+          <a:prstGeom prst="roundRect">
+            <a:avLst/>
+          </a:prstGeom>
+          <a:solidFill>
+            <a:schemeClr val="accent4">
+              <a:lumMod val="75000"/>
+            </a:schemeClr>
+          </a:solidFill>
+        </p:spPr>
+        <p:style>
+          <a:lnRef idx="2">
+            <a:schemeClr val="accent1">
+              <a:shade val="15000"/>
+            </a:schemeClr>
+          </a:lnRef>
+          <a:fillRef idx="1">
+            <a:schemeClr val="accent1"/>
+          </a:fillRef>
+          <a:effectRef idx="0">
+            <a:schemeClr val="accent1"/>
+          </a:effectRef>
+          <a:fontRef idx="minor">
+            <a:schemeClr val="lt1"/>
+          </a:fontRef>
+        </p:style>
+        <p:txBody>
+          <a:bodyPr rtlCol="0" anchor="ctr"/>
+          <a:lstStyle/>
+          <a:p>
+            <a:pPr algn="ctr"/>
+            <a:r>
+              <a:rPr lang="en-US" dirty="0"/>
+              <a:t>Optional rebase</a:t>
+            </a:r>
+            <a:endParaRPr lang="en-GB" dirty="0"/>
+          </a:p>
+        </p:txBody>
+      </p:sp>
+      <p:cxnSp>
+        <p:nvCxnSpPr>
+          <p:cNvPr id="62" name="Straight Arrow Connector 61">
+            <a:extLst>
+              <a:ext uri="{FF2B5EF4-FFF2-40B4-BE49-F238E27FC236}">
+                <a16:creationId xmlns:a16="http://schemas.microsoft.com/office/drawing/2014/main" id="{73B154BC-9CD7-1EFC-573E-72B4FA4A2F05}"/>
+              </a:ext>
+            </a:extLst>
+          </p:cNvPr>
+          <p:cNvCxnSpPr/>
+          <p:nvPr/>
+        </p:nvCxnSpPr>
+        <p:spPr>
+          <a:xfrm flipH="1" flipV="1">
+            <a:off x="7325139" y="4721049"/>
+            <a:ext cx="188849" cy="9946"/>
+          </a:xfrm>
+          <a:prstGeom prst="straightConnector1">
+            <a:avLst/>
+          </a:prstGeom>
+          <a:ln>
+            <a:tailEnd type="triangle"/>
+          </a:ln>
+        </p:spPr>
+        <p:style>
+          <a:lnRef idx="2">
+            <a:schemeClr val="accent4"/>
+          </a:lnRef>
+          <a:fillRef idx="0">
+            <a:schemeClr val="accent4"/>
+          </a:fillRef>
+          <a:effectRef idx="1">
+            <a:schemeClr val="accent4"/>
+          </a:effectRef>
+          <a:fontRef idx="minor">
+            <a:schemeClr val="tx1"/>
+          </a:fontRef>
+        </p:style>
+      </p:cxnSp>
+    </p:spTree>
+    <p:extLst>
+      <p:ext uri="{BB962C8B-B14F-4D97-AF65-F5344CB8AC3E}">
+        <p14:creationId xmlns:p14="http://schemas.microsoft.com/office/powerpoint/2010/main" val="1276996374"/>
+      </p:ext>
+    </p:extLst>
+  </p:cSld>
+  <p:clrMapOvr>
+    <a:masterClrMapping/>
+  </p:clrMapOvr>
+</p:sld>
+</file>
+
 <file path=ppt/slides/slide2.xml><?xml version="1.0" encoding="utf-8"?>
 <p:sld xmlns:a="http://schemas.openxmlformats.org/drawingml/2006/main" xmlns:r="http://schemas.openxmlformats.org/officeDocument/2006/relationships" xmlns:p="http://schemas.openxmlformats.org/presentationml/2006/main">
   <p:cSld>

--- a/Basics of Github.pptx
+++ b/Basics of Github.pptx
@@ -4989,8 +4989,13 @@
           <a:p>
             <a:r>
               <a:rPr lang="en-US" dirty="0"/>
-              <a:t>Git squash – squashes all the changes in a branch down to one.</a:t>
-            </a:r>
+              <a:t>Git rebase – squashes all the changes in a branch down to one, or rebases on </a:t>
+            </a:r>
+            <a:r>
+              <a:rPr lang="en-US"/>
+              <a:t>a different base</a:t>
+            </a:r>
+            <a:endParaRPr lang="en-US" dirty="0"/>
           </a:p>
           <a:p>
             <a:r>
